--- a/ppt/7.반복 표본에서의 변이-표집분포.pptx
+++ b/ppt/7.반복 표본에서의 변이-표집분포.pptx
@@ -268,7 +268,7 @@
           <a:p>
             <a:fld id="{807EA1CC-7F46-4B10-AEDF-3EC2CBE266C6}" type="datetimeFigureOut">
               <a:rPr lang="ko-KR" altLang="en-US" smtClean="0"/>
-              <a:t>2016-03-21</a:t>
+              <a:t>2017-04-28</a:t>
             </a:fld>
             <a:endParaRPr lang="ko-KR" altLang="en-US"/>
           </a:p>
@@ -438,7 +438,7 @@
           <a:p>
             <a:fld id="{807EA1CC-7F46-4B10-AEDF-3EC2CBE266C6}" type="datetimeFigureOut">
               <a:rPr lang="ko-KR" altLang="en-US" smtClean="0"/>
-              <a:t>2016-03-21</a:t>
+              <a:t>2017-04-28</a:t>
             </a:fld>
             <a:endParaRPr lang="ko-KR" altLang="en-US"/>
           </a:p>
@@ -618,7 +618,7 @@
           <a:p>
             <a:fld id="{807EA1CC-7F46-4B10-AEDF-3EC2CBE266C6}" type="datetimeFigureOut">
               <a:rPr lang="ko-KR" altLang="en-US" smtClean="0"/>
-              <a:t>2016-03-21</a:t>
+              <a:t>2017-04-28</a:t>
             </a:fld>
             <a:endParaRPr lang="ko-KR" altLang="en-US"/>
           </a:p>
@@ -788,7 +788,7 @@
           <a:p>
             <a:fld id="{807EA1CC-7F46-4B10-AEDF-3EC2CBE266C6}" type="datetimeFigureOut">
               <a:rPr lang="ko-KR" altLang="en-US" smtClean="0"/>
-              <a:t>2016-03-21</a:t>
+              <a:t>2017-04-28</a:t>
             </a:fld>
             <a:endParaRPr lang="ko-KR" altLang="en-US"/>
           </a:p>
@@ -1034,7 +1034,7 @@
           <a:p>
             <a:fld id="{807EA1CC-7F46-4B10-AEDF-3EC2CBE266C6}" type="datetimeFigureOut">
               <a:rPr lang="ko-KR" altLang="en-US" smtClean="0"/>
-              <a:t>2016-03-21</a:t>
+              <a:t>2017-04-28</a:t>
             </a:fld>
             <a:endParaRPr lang="ko-KR" altLang="en-US"/>
           </a:p>
@@ -1266,7 +1266,7 @@
           <a:p>
             <a:fld id="{807EA1CC-7F46-4B10-AEDF-3EC2CBE266C6}" type="datetimeFigureOut">
               <a:rPr lang="ko-KR" altLang="en-US" smtClean="0"/>
-              <a:t>2016-03-21</a:t>
+              <a:t>2017-04-28</a:t>
             </a:fld>
             <a:endParaRPr lang="ko-KR" altLang="en-US"/>
           </a:p>
@@ -1633,7 +1633,7 @@
           <a:p>
             <a:fld id="{807EA1CC-7F46-4B10-AEDF-3EC2CBE266C6}" type="datetimeFigureOut">
               <a:rPr lang="ko-KR" altLang="en-US" smtClean="0"/>
-              <a:t>2016-03-21</a:t>
+              <a:t>2017-04-28</a:t>
             </a:fld>
             <a:endParaRPr lang="ko-KR" altLang="en-US"/>
           </a:p>
@@ -1751,7 +1751,7 @@
           <a:p>
             <a:fld id="{807EA1CC-7F46-4B10-AEDF-3EC2CBE266C6}" type="datetimeFigureOut">
               <a:rPr lang="ko-KR" altLang="en-US" smtClean="0"/>
-              <a:t>2016-03-21</a:t>
+              <a:t>2017-04-28</a:t>
             </a:fld>
             <a:endParaRPr lang="ko-KR" altLang="en-US"/>
           </a:p>
@@ -1846,7 +1846,7 @@
           <a:p>
             <a:fld id="{807EA1CC-7F46-4B10-AEDF-3EC2CBE266C6}" type="datetimeFigureOut">
               <a:rPr lang="ko-KR" altLang="en-US" smtClean="0"/>
-              <a:t>2016-03-21</a:t>
+              <a:t>2017-04-28</a:t>
             </a:fld>
             <a:endParaRPr lang="ko-KR" altLang="en-US"/>
           </a:p>
@@ -2123,7 +2123,7 @@
           <a:p>
             <a:fld id="{807EA1CC-7F46-4B10-AEDF-3EC2CBE266C6}" type="datetimeFigureOut">
               <a:rPr lang="ko-KR" altLang="en-US" smtClean="0"/>
-              <a:t>2016-03-21</a:t>
+              <a:t>2017-04-28</a:t>
             </a:fld>
             <a:endParaRPr lang="ko-KR" altLang="en-US"/>
           </a:p>
@@ -2376,7 +2376,7 @@
           <a:p>
             <a:fld id="{807EA1CC-7F46-4B10-AEDF-3EC2CBE266C6}" type="datetimeFigureOut">
               <a:rPr lang="ko-KR" altLang="en-US" smtClean="0"/>
-              <a:t>2016-03-21</a:t>
+              <a:t>2017-04-28</a:t>
             </a:fld>
             <a:endParaRPr lang="ko-KR" altLang="en-US"/>
           </a:p>
@@ -2589,7 +2589,7 @@
           <a:p>
             <a:fld id="{807EA1CC-7F46-4B10-AEDF-3EC2CBE266C6}" type="datetimeFigureOut">
               <a:rPr lang="ko-KR" altLang="en-US" smtClean="0"/>
-              <a:t>2016-03-21</a:t>
+              <a:t>2017-04-28</a:t>
             </a:fld>
             <a:endParaRPr lang="ko-KR" altLang="en-US"/>
           </a:p>
@@ -13271,13 +13271,7 @@
                       <a:rPr lang="en-US" altLang="ko-KR" sz="2200" b="0" i="1" smtClean="0">
                         <a:latin typeface="Cambria Math" panose="02040503050406030204" pitchFamily="18" charset="0"/>
                       </a:rPr>
-                      <m:t>=</m:t>
-                    </m:r>
-                    <m:r>
-                      <a:rPr lang="en-US" altLang="ko-KR" sz="2200" b="0" i="1" smtClean="0">
-                        <a:latin typeface="Cambria Math" panose="02040503050406030204" pitchFamily="18" charset="0"/>
-                      </a:rPr>
-                      <m:t>0</m:t>
+                      <m:t>=0</m:t>
                     </m:r>
                     <m:d>
                       <m:dPr>
@@ -13292,19 +13286,7 @@
                           <a:rPr lang="en-US" altLang="ko-KR" sz="2200" b="0" i="1" smtClean="0">
                             <a:latin typeface="Cambria Math" panose="02040503050406030204" pitchFamily="18" charset="0"/>
                           </a:rPr>
-                          <m:t>0</m:t>
-                        </m:r>
-                        <m:r>
-                          <a:rPr lang="en-US" altLang="ko-KR" sz="2200" b="0" i="1" smtClean="0">
-                            <a:latin typeface="Cambria Math" panose="02040503050406030204" pitchFamily="18" charset="0"/>
-                          </a:rPr>
-                          <m:t>.</m:t>
-                        </m:r>
-                        <m:r>
-                          <a:rPr lang="en-US" altLang="ko-KR" sz="2200" b="0" i="1" smtClean="0">
-                            <a:latin typeface="Cambria Math" panose="02040503050406030204" pitchFamily="18" charset="0"/>
-                          </a:rPr>
-                          <m:t>104</m:t>
+                          <m:t>0.104</m:t>
                         </m:r>
                       </m:e>
                     </m:d>
@@ -13312,13 +13294,7 @@
                       <a:rPr lang="en-US" altLang="ko-KR" sz="2200" b="0" i="1" smtClean="0">
                         <a:latin typeface="Cambria Math" panose="02040503050406030204" pitchFamily="18" charset="0"/>
                       </a:rPr>
-                      <m:t>+</m:t>
-                    </m:r>
-                    <m:r>
-                      <a:rPr lang="en-US" altLang="ko-KR" sz="2200" b="0" i="1" smtClean="0">
-                        <a:latin typeface="Cambria Math" panose="02040503050406030204" pitchFamily="18" charset="0"/>
-                      </a:rPr>
-                      <m:t>3</m:t>
+                      <m:t>+3</m:t>
                     </m:r>
                     <m:d>
                       <m:dPr>
@@ -13333,19 +13309,7 @@
                           <a:rPr lang="en-US" altLang="ko-KR" sz="2200" b="0" i="1" smtClean="0">
                             <a:latin typeface="Cambria Math" panose="02040503050406030204" pitchFamily="18" charset="0"/>
                           </a:rPr>
-                          <m:t>0</m:t>
-                        </m:r>
-                        <m:r>
-                          <a:rPr lang="en-US" altLang="ko-KR" sz="2200" b="0" i="1" smtClean="0">
-                            <a:latin typeface="Cambria Math" panose="02040503050406030204" pitchFamily="18" charset="0"/>
-                          </a:rPr>
-                          <m:t>.</m:t>
-                        </m:r>
-                        <m:r>
-                          <a:rPr lang="en-US" altLang="ko-KR" sz="2200" b="0" i="1" smtClean="0">
-                            <a:latin typeface="Cambria Math" panose="02040503050406030204" pitchFamily="18" charset="0"/>
-                          </a:rPr>
-                          <m:t>396</m:t>
+                          <m:t>0.396</m:t>
                         </m:r>
                       </m:e>
                     </m:d>
@@ -13353,13 +13317,7 @@
                       <a:rPr lang="en-US" altLang="ko-KR" sz="2200" b="0" i="1" smtClean="0">
                         <a:latin typeface="Cambria Math" panose="02040503050406030204" pitchFamily="18" charset="0"/>
                       </a:rPr>
-                      <m:t>+</m:t>
-                    </m:r>
-                    <m:r>
-                      <a:rPr lang="en-US" altLang="ko-KR" sz="2200" b="0" i="1" smtClean="0">
-                        <a:latin typeface="Cambria Math" panose="02040503050406030204" pitchFamily="18" charset="0"/>
-                      </a:rPr>
-                      <m:t>12</m:t>
+                      <m:t>+12</m:t>
                     </m:r>
                     <m:d>
                       <m:dPr>
@@ -13374,19 +13332,7 @@
                           <a:rPr lang="en-US" altLang="ko-KR" sz="2200" b="0" i="1" smtClean="0">
                             <a:latin typeface="Cambria Math" panose="02040503050406030204" pitchFamily="18" charset="0"/>
                           </a:rPr>
-                          <m:t>0</m:t>
-                        </m:r>
-                        <m:r>
-                          <a:rPr lang="en-US" altLang="ko-KR" sz="2200" b="0" i="1" smtClean="0">
-                            <a:latin typeface="Cambria Math" panose="02040503050406030204" pitchFamily="18" charset="0"/>
-                          </a:rPr>
-                          <m:t>.</m:t>
-                        </m:r>
-                        <m:r>
-                          <a:rPr lang="en-US" altLang="ko-KR" sz="2200" b="0" i="1" smtClean="0">
-                            <a:latin typeface="Cambria Math" panose="02040503050406030204" pitchFamily="18" charset="0"/>
-                          </a:rPr>
-                          <m:t>500</m:t>
+                          <m:t>0.500</m:t>
                         </m:r>
                       </m:e>
                     </m:d>
@@ -13394,60 +13340,14 @@
                       <a:rPr lang="en-US" altLang="ko-KR" sz="2200" b="0" i="1" smtClean="0">
                         <a:latin typeface="Cambria Math" panose="02040503050406030204" pitchFamily="18" charset="0"/>
                       </a:rPr>
-                      <m:t>=</m:t>
-                    </m:r>
-                    <m:r>
-                      <a:rPr lang="en-US" altLang="ko-KR" sz="2200" b="0" i="1" smtClean="0">
-                        <a:latin typeface="Cambria Math" panose="02040503050406030204" pitchFamily="18" charset="0"/>
-                      </a:rPr>
-                      <m:t>7</m:t>
-                    </m:r>
-                    <m:r>
-                      <a:rPr lang="en-US" altLang="ko-KR" sz="2200" b="0" i="1" smtClean="0">
-                        <a:latin typeface="Cambria Math" panose="02040503050406030204" pitchFamily="18" charset="0"/>
-                      </a:rPr>
-                      <m:t>.</m:t>
-                    </m:r>
-                    <m:r>
-                      <a:rPr lang="en-US" altLang="ko-KR" sz="2200" b="0" i="1" smtClean="0">
-                        <a:latin typeface="Cambria Math" panose="02040503050406030204" pitchFamily="18" charset="0"/>
-                      </a:rPr>
-                      <m:t>188</m:t>
+                      <m:t>=7.188</m:t>
                     </m:r>
                     <m:r>
                       <a:rPr lang="en-US" altLang="ko-KR" sz="2200" b="0" i="1" smtClean="0">
                         <a:latin typeface="Cambria Math" panose="02040503050406030204" pitchFamily="18" charset="0"/>
                         <a:ea typeface="Cambria Math" panose="02040503050406030204" pitchFamily="18" charset="0"/>
                       </a:rPr>
-                      <m:t>≠</m:t>
-                    </m:r>
-                    <m:r>
-                      <a:rPr lang="en-US" altLang="ko-KR" sz="2200" b="0" i="1" smtClean="0">
-                        <a:latin typeface="Cambria Math" panose="02040503050406030204" pitchFamily="18" charset="0"/>
-                        <a:ea typeface="Cambria Math" panose="02040503050406030204" pitchFamily="18" charset="0"/>
-                      </a:rPr>
-                      <m:t>6</m:t>
-                    </m:r>
-                    <m:r>
-                      <a:rPr lang="en-US" altLang="ko-KR" sz="2200" b="0" i="1" smtClean="0">
-                        <a:latin typeface="Cambria Math" panose="02040503050406030204" pitchFamily="18" charset="0"/>
-                        <a:ea typeface="Cambria Math" panose="02040503050406030204" pitchFamily="18" charset="0"/>
-                      </a:rPr>
-                      <m:t>.</m:t>
-                    </m:r>
-                    <m:r>
-                      <a:rPr lang="en-US" altLang="ko-KR" sz="2200" b="0" i="1" smtClean="0">
-                        <a:latin typeface="Cambria Math" panose="02040503050406030204" pitchFamily="18" charset="0"/>
-                        <a:ea typeface="Cambria Math" panose="02040503050406030204" pitchFamily="18" charset="0"/>
-                      </a:rPr>
-                      <m:t>9</m:t>
-                    </m:r>
-                    <m:r>
-                      <a:rPr lang="en-US" altLang="ko-KR" sz="2200" b="0" i="1" smtClean="0">
-                        <a:latin typeface="Cambria Math" panose="02040503050406030204" pitchFamily="18" charset="0"/>
-                        <a:ea typeface="Cambria Math" panose="02040503050406030204" pitchFamily="18" charset="0"/>
-                      </a:rPr>
-                      <m:t>=</m:t>
+                      <m:t>≠6.9=</m:t>
                     </m:r>
                     <m:r>
                       <a:rPr lang="en-US" altLang="ko-KR" sz="2200" b="0" i="1" smtClean="0">
@@ -13533,19 +13433,7 @@
                           <a:rPr lang="en-US" altLang="ko-KR" sz="2200" b="0" i="1" smtClean="0">
                             <a:latin typeface="Cambria Math" panose="02040503050406030204" pitchFamily="18" charset="0"/>
                           </a:rPr>
-                          <m:t>0</m:t>
-                        </m:r>
-                        <m:r>
-                          <a:rPr lang="en-US" altLang="ko-KR" sz="2200" b="0" i="1" smtClean="0">
-                            <a:latin typeface="Cambria Math" panose="02040503050406030204" pitchFamily="18" charset="0"/>
-                          </a:rPr>
-                          <m:t>.</m:t>
-                        </m:r>
-                        <m:r>
-                          <a:rPr lang="en-US" altLang="ko-KR" sz="2200" b="0" i="1" smtClean="0">
-                            <a:latin typeface="Cambria Math" panose="02040503050406030204" pitchFamily="18" charset="0"/>
-                          </a:rPr>
-                          <m:t>104</m:t>
+                          <m:t>0.104</m:t>
                         </m:r>
                       </m:e>
                     </m:d>
@@ -13593,19 +13481,7 @@
                           <a:rPr lang="en-US" altLang="ko-KR" sz="2200" b="0" i="1" smtClean="0">
                             <a:latin typeface="Cambria Math" panose="02040503050406030204" pitchFamily="18" charset="0"/>
                           </a:rPr>
-                          <m:t>0</m:t>
-                        </m:r>
-                        <m:r>
-                          <a:rPr lang="en-US" altLang="ko-KR" sz="2200" b="0" i="1" smtClean="0">
-                            <a:latin typeface="Cambria Math" panose="02040503050406030204" pitchFamily="18" charset="0"/>
-                          </a:rPr>
-                          <m:t>.</m:t>
-                        </m:r>
-                        <m:r>
-                          <a:rPr lang="en-US" altLang="ko-KR" sz="2200" b="0" i="1" smtClean="0">
-                            <a:latin typeface="Cambria Math" panose="02040503050406030204" pitchFamily="18" charset="0"/>
-                          </a:rPr>
-                          <m:t>396</m:t>
+                          <m:t>0.396</m:t>
                         </m:r>
                       </m:e>
                     </m:d>
@@ -13653,19 +13529,7 @@
                           <a:rPr lang="en-US" altLang="ko-KR" sz="2200" b="0" i="1" smtClean="0">
                             <a:latin typeface="Cambria Math" panose="02040503050406030204" pitchFamily="18" charset="0"/>
                           </a:rPr>
-                          <m:t>0</m:t>
-                        </m:r>
-                        <m:r>
-                          <a:rPr lang="en-US" altLang="ko-KR" sz="2200" b="0" i="1" smtClean="0">
-                            <a:latin typeface="Cambria Math" panose="02040503050406030204" pitchFamily="18" charset="0"/>
-                          </a:rPr>
-                          <m:t>.</m:t>
-                        </m:r>
-                        <m:r>
-                          <a:rPr lang="en-US" altLang="ko-KR" sz="2200" b="0" i="1" smtClean="0">
-                            <a:latin typeface="Cambria Math" panose="02040503050406030204" pitchFamily="18" charset="0"/>
-                          </a:rPr>
-                          <m:t>500</m:t>
+                          <m:t>0.500</m:t>
                         </m:r>
                       </m:e>
                     </m:d>
@@ -13697,19 +13561,7 @@
                               <a:rPr lang="en-US" altLang="ko-KR" sz="2200" b="0" i="1" smtClean="0">
                                 <a:latin typeface="Cambria Math" panose="02040503050406030204" pitchFamily="18" charset="0"/>
                               </a:rPr>
-                              <m:t>7</m:t>
-                            </m:r>
-                            <m:r>
-                              <a:rPr lang="en-US" altLang="ko-KR" sz="2200" b="0" i="1" smtClean="0">
-                                <a:latin typeface="Cambria Math" panose="02040503050406030204" pitchFamily="18" charset="0"/>
-                              </a:rPr>
-                              <m:t>.</m:t>
-                            </m:r>
-                            <m:r>
-                              <a:rPr lang="en-US" altLang="ko-KR" sz="2200" b="0" i="1" smtClean="0">
-                                <a:latin typeface="Cambria Math" panose="02040503050406030204" pitchFamily="18" charset="0"/>
-                              </a:rPr>
-                              <m:t>1888</m:t>
+                              <m:t>7.1888</m:t>
                             </m:r>
                           </m:e>
                         </m:d>
@@ -13727,25 +13579,7 @@
                       <a:rPr lang="en-US" altLang="ko-KR" sz="2200" b="0" i="1" smtClean="0">
                         <a:latin typeface="Cambria Math" panose="02040503050406030204" pitchFamily="18" charset="0"/>
                       </a:rPr>
-                      <m:t>=</m:t>
-                    </m:r>
-                    <m:r>
-                      <a:rPr lang="en-US" altLang="ko-KR" sz="2200" b="0" i="1" smtClean="0">
-                        <a:latin typeface="Cambria Math" panose="02040503050406030204" pitchFamily="18" charset="0"/>
-                      </a:rPr>
-                      <m:t>23</m:t>
-                    </m:r>
-                    <m:r>
-                      <a:rPr lang="en-US" altLang="ko-KR" sz="2200" b="0" i="1" smtClean="0">
-                        <a:latin typeface="Cambria Math" panose="02040503050406030204" pitchFamily="18" charset="0"/>
-                      </a:rPr>
-                      <m:t>.</m:t>
-                    </m:r>
-                    <m:r>
-                      <a:rPr lang="en-US" altLang="ko-KR" sz="2200" b="0" i="1" smtClean="0">
-                        <a:latin typeface="Cambria Math" panose="02040503050406030204" pitchFamily="18" charset="0"/>
-                      </a:rPr>
-                      <m:t>897</m:t>
+                      <m:t>=23.897</m:t>
                     </m:r>
                   </m:oMath>
                 </a14:m>
@@ -15747,13 +15581,7 @@
                       <a:rPr lang="en-US" altLang="ko-KR" sz="3100" b="0" i="1" smtClean="0">
                         <a:latin typeface="Cambria Math" panose="02040503050406030204" pitchFamily="18" charset="0"/>
                       </a:rPr>
-                      <m:t>=</m:t>
-                    </m:r>
-                    <m:r>
-                      <a:rPr lang="en-US" altLang="ko-KR" sz="3100" b="0" i="1" smtClean="0">
-                        <a:latin typeface="Cambria Math" panose="02040503050406030204" pitchFamily="18" charset="0"/>
-                      </a:rPr>
-                      <m:t>3</m:t>
+                      <m:t>=3</m:t>
                     </m:r>
                   </m:oMath>
                 </a14:m>
@@ -16596,19 +16424,7 @@
                                   <a:rPr lang="en-US" altLang="ko-KR" sz="1400" b="0" i="1" smtClean="0">
                                     <a:latin typeface="Cambria Math" panose="02040503050406030204" pitchFamily="18" charset="0"/>
                                   </a:rPr>
-                                  <m:t>1</m:t>
-                                </m:r>
-                                <m:r>
-                                  <a:rPr lang="en-US" altLang="ko-KR" sz="1400" b="0" i="1" smtClean="0">
-                                    <a:latin typeface="Cambria Math" panose="02040503050406030204" pitchFamily="18" charset="0"/>
-                                  </a:rPr>
-                                  <m:t>/</m:t>
-                                </m:r>
-                                <m:r>
-                                  <a:rPr lang="en-US" altLang="ko-KR" sz="1400" b="0" i="1" smtClean="0">
-                                    <a:latin typeface="Cambria Math" panose="02040503050406030204" pitchFamily="18" charset="0"/>
-                                  </a:rPr>
-                                  <m:t>3</m:t>
+                                  <m:t>1/3</m:t>
                                 </m:r>
                               </m:oMath>
                             </m:oMathPara>
@@ -16681,19 +16497,7 @@
                                   <a:rPr lang="en-US" altLang="ko-KR" sz="1400" b="0" i="1" smtClean="0">
                                     <a:latin typeface="Cambria Math" panose="02040503050406030204" pitchFamily="18" charset="0"/>
                                   </a:rPr>
-                                  <m:t>1</m:t>
-                                </m:r>
-                                <m:r>
-                                  <a:rPr lang="en-US" altLang="ko-KR" sz="1400" b="0" i="1" smtClean="0">
-                                    <a:latin typeface="Cambria Math" panose="02040503050406030204" pitchFamily="18" charset="0"/>
-                                  </a:rPr>
-                                  <m:t>/</m:t>
-                                </m:r>
-                                <m:r>
-                                  <a:rPr lang="en-US" altLang="ko-KR" sz="1400" b="0" i="1" smtClean="0">
-                                    <a:latin typeface="Cambria Math" panose="02040503050406030204" pitchFamily="18" charset="0"/>
-                                  </a:rPr>
-                                  <m:t>3</m:t>
+                                  <m:t>1/3</m:t>
                                 </m:r>
                               </m:oMath>
                             </m:oMathPara>
@@ -16766,19 +16570,7 @@
                                   <a:rPr lang="en-US" altLang="ko-KR" sz="1400" b="0" i="1" smtClean="0">
                                     <a:latin typeface="Cambria Math" panose="02040503050406030204" pitchFamily="18" charset="0"/>
                                   </a:rPr>
-                                  <m:t>1</m:t>
-                                </m:r>
-                                <m:r>
-                                  <a:rPr lang="en-US" altLang="ko-KR" sz="1400" b="0" i="1" smtClean="0">
-                                    <a:latin typeface="Cambria Math" panose="02040503050406030204" pitchFamily="18" charset="0"/>
-                                  </a:rPr>
-                                  <m:t>/</m:t>
-                                </m:r>
-                                <m:r>
-                                  <a:rPr lang="en-US" altLang="ko-KR" sz="1400" b="0" i="1" smtClean="0">
-                                    <a:latin typeface="Cambria Math" panose="02040503050406030204" pitchFamily="18" charset="0"/>
-                                  </a:rPr>
-                                  <m:t>3</m:t>
+                                  <m:t>1/3</m:t>
                                 </m:r>
                               </m:oMath>
                             </m:oMathPara>
@@ -17315,7 +17107,7 @@
             </p:nvGraphicFramePr>
             <p:xfrm>
               <a:off x="6485981" y="2213361"/>
-              <a:ext cx="3657600" cy="2688696"/>
+              <a:ext cx="3657600" cy="2692525"/>
             </p:xfrm>
             <a:graphic>
               <a:graphicData uri="http://schemas.openxmlformats.org/drawingml/2006/table">
@@ -20316,14 +20108,7 @@
                         <m:nor/>
                       </m:rPr>
                       <a:rPr lang="ko-KR" altLang="en-US" dirty="0"/>
-                      <m:t> </m:t>
-                    </m:r>
-                    <m:r>
-                      <m:rPr>
-                        <m:nor/>
-                      </m:rPr>
-                      <a:rPr lang="ko-KR" altLang="en-US" dirty="0"/>
-                      <m:t>근사적으로</m:t>
+                      <m:t> 근사적으로</m:t>
                     </m:r>
                     <m:r>
                       <a:rPr lang="en-US" altLang="ko-KR" b="0" i="1" dirty="0" smtClean="0">
@@ -20341,31 +20126,7 @@
                       <a:rPr lang="en-US" altLang="ko-KR" i="1" dirty="0">
                         <a:latin typeface="Cambria Math" panose="02040503050406030204" pitchFamily="18" charset="0"/>
                       </a:rPr>
-                      <m:t>(</m:t>
-                    </m:r>
-                    <m:r>
-                      <a:rPr lang="en-US" altLang="ko-KR" i="1" dirty="0">
-                        <a:latin typeface="Cambria Math" panose="02040503050406030204" pitchFamily="18" charset="0"/>
-                      </a:rPr>
-                      <m:t>0</m:t>
-                    </m:r>
-                    <m:r>
-                      <a:rPr lang="en-US" altLang="ko-KR" i="1" dirty="0">
-                        <a:latin typeface="Cambria Math" panose="02040503050406030204" pitchFamily="18" charset="0"/>
-                      </a:rPr>
-                      <m:t>,</m:t>
-                    </m:r>
-                    <m:r>
-                      <a:rPr lang="en-US" altLang="ko-KR" i="1" dirty="0">
-                        <a:latin typeface="Cambria Math" panose="02040503050406030204" pitchFamily="18" charset="0"/>
-                      </a:rPr>
-                      <m:t>1</m:t>
-                    </m:r>
-                    <m:r>
-                      <a:rPr lang="en-US" altLang="ko-KR" i="1" dirty="0">
-                        <a:latin typeface="Cambria Math" panose="02040503050406030204" pitchFamily="18" charset="0"/>
-                      </a:rPr>
-                      <m:t>)</m:t>
+                      <m:t>(0,1)</m:t>
                     </m:r>
                   </m:oMath>
                 </a14:m>
@@ -20445,8 +20206,8 @@
           <a:chExt cx="0" cy="0"/>
         </a:xfrm>
       </p:grpSpPr>
-      <mc:AlternateContent xmlns:mc="http://schemas.openxmlformats.org/markup-compatibility/2006">
-        <mc:Choice xmlns:a14="http://schemas.microsoft.com/office/drawing/2010/main" Requires="a14">
+      <mc:AlternateContent xmlns:mc="http://schemas.openxmlformats.org/markup-compatibility/2006" xmlns:a14="http://schemas.microsoft.com/office/drawing/2010/main">
+        <mc:Choice Requires="a14">
           <p:sp>
             <p:nvSpPr>
               <p:cNvPr id="2" name="제목 1"/>
@@ -20553,7 +20314,7 @@
             </p:txBody>
           </p:sp>
         </mc:Choice>
-        <mc:Fallback>
+        <mc:Fallback xmlns="">
           <p:sp>
             <p:nvSpPr>
               <p:cNvPr id="2" name="제목 1"/>
@@ -20587,8 +20348,8 @@
           </p:sp>
         </mc:Fallback>
       </mc:AlternateContent>
-      <mc:AlternateContent xmlns:mc="http://schemas.openxmlformats.org/markup-compatibility/2006">
-        <mc:Choice xmlns:a14="http://schemas.microsoft.com/office/drawing/2010/main" Requires="a14">
+      <mc:AlternateContent xmlns:mc="http://schemas.openxmlformats.org/markup-compatibility/2006" xmlns:a14="http://schemas.microsoft.com/office/drawing/2010/main">
+        <mc:Choice Requires="a14">
           <p:sp>
             <p:nvSpPr>
               <p:cNvPr id="3" name="내용 개체 틀 2"/>
@@ -21344,7 +21105,7 @@
             </p:txBody>
           </p:sp>
         </mc:Choice>
-        <mc:Fallback>
+        <mc:Fallback xmlns="">
           <p:sp>
             <p:nvSpPr>
               <p:cNvPr id="3" name="내용 개체 틀 2"/>
@@ -21380,26 +21141,43 @@
       </mc:AlternateContent>
       <p:pic>
         <p:nvPicPr>
-          <p:cNvPr id="4" name="그림 3"/>
+          <p:cNvPr id="5" name="Picture 6" descr="figun_07_04"/>
           <p:cNvPicPr>
-            <a:picLocks noChangeAspect="1"/>
+            <a:picLocks noChangeAspect="1" noChangeArrowheads="1"/>
           </p:cNvPicPr>
           <p:nvPr/>
         </p:nvPicPr>
         <p:blipFill>
-          <a:blip r:embed="rId4"/>
+          <a:blip r:embed="rId4" cstate="print">
+            <a:extLst>
+              <a:ext uri="{28A0092B-C50C-407E-A947-70E740481C1C}">
+                <a14:useLocalDpi xmlns:a14="http://schemas.microsoft.com/office/drawing/2010/main" val="0"/>
+              </a:ext>
+            </a:extLst>
+          </a:blip>
+          <a:srcRect/>
           <a:stretch>
             <a:fillRect/>
           </a:stretch>
         </p:blipFill>
-        <p:spPr>
+        <p:spPr bwMode="auto">
           <a:xfrm>
-            <a:off x="9252129" y="4001294"/>
-            <a:ext cx="2267717" cy="1798324"/>
+            <a:off x="9091749" y="3108960"/>
+            <a:ext cx="2742339" cy="2124450"/>
           </a:xfrm>
           <a:prstGeom prst="rect">
             <a:avLst/>
           </a:prstGeom>
+          <a:noFill/>
+          <a:extLst>
+            <a:ext uri="{909E8E84-426E-40DD-AFC4-6F175D3DCCD1}">
+              <a14:hiddenFill xmlns:a14="http://schemas.microsoft.com/office/drawing/2010/main">
+                <a:solidFill>
+                  <a:srgbClr val="FFFFFF"/>
+                </a:solidFill>
+              </a14:hiddenFill>
+            </a:ext>
+          </a:extLst>
         </p:spPr>
       </p:pic>
     </p:spTree>
@@ -21554,8 +21332,8 @@
           </a:p>
         </p:txBody>
       </p:sp>
-      <mc:AlternateContent xmlns:mc="http://schemas.openxmlformats.org/markup-compatibility/2006">
-        <mc:Choice xmlns:a14="http://schemas.microsoft.com/office/drawing/2010/main" Requires="a14">
+      <mc:AlternateContent xmlns:mc="http://schemas.openxmlformats.org/markup-compatibility/2006" xmlns:a14="http://schemas.microsoft.com/office/drawing/2010/main">
+        <mc:Choice Requires="a14">
           <p:sp>
             <p:nvSpPr>
               <p:cNvPr id="3" name="내용 개체 틀 2"/>
@@ -22393,7 +22171,7 @@
             </p:txBody>
           </p:sp>
         </mc:Choice>
-        <mc:Fallback>
+        <mc:Fallback xmlns="">
           <p:sp>
             <p:nvSpPr>
               <p:cNvPr id="3" name="내용 개체 틀 2"/>
@@ -22741,8 +22519,8 @@
           </a:p>
         </p:txBody>
       </p:sp>
-      <mc:AlternateContent xmlns:mc="http://schemas.openxmlformats.org/markup-compatibility/2006">
-        <mc:Choice xmlns:a14="http://schemas.microsoft.com/office/drawing/2010/main" Requires="a14">
+      <mc:AlternateContent xmlns:mc="http://schemas.openxmlformats.org/markup-compatibility/2006" xmlns:a14="http://schemas.microsoft.com/office/drawing/2010/main">
+        <mc:Choice Requires="a14">
           <p:sp>
             <p:nvSpPr>
               <p:cNvPr id="6" name="내용 개체 틀 5"/>
@@ -23387,7 +23165,7 @@
             </p:txBody>
           </p:sp>
         </mc:Choice>
-        <mc:Fallback>
+        <mc:Fallback xmlns="">
           <p:sp>
             <p:nvSpPr>
               <p:cNvPr id="6" name="내용 개체 틀 5"/>
@@ -23574,8 +23352,12 @@
               <a:t>통계량</a:t>
             </a:r>
             <a:r>
-              <a:rPr lang="en-US" altLang="ko-KR" dirty="0" smtClean="0"/>
-              <a:t>(statistics)</a:t>
+              <a:rPr lang="en-US" altLang="ko-KR" smtClean="0"/>
+              <a:t>(</a:t>
+            </a:r>
+            <a:r>
+              <a:rPr lang="en-US" altLang="ko-KR" smtClean="0"/>
+              <a:t>statistic)</a:t>
             </a:r>
             <a:r>
               <a:rPr lang="ko-KR" altLang="en-US" dirty="0" smtClean="0"/>
@@ -26954,24 +26736,31 @@
       </p:sp>
       <p:pic>
         <p:nvPicPr>
-          <p:cNvPr id="2" name="내용 개체 틀 1"/>
+          <p:cNvPr id="7" name="Picture 4"/>
           <p:cNvPicPr>
-            <a:picLocks noGrp="1" noChangeAspect="1"/>
+            <a:picLocks noGrp="1" noChangeAspect="1" noChangeArrowheads="1"/>
           </p:cNvPicPr>
           <p:nvPr>
             <p:ph idx="1"/>
           </p:nvPr>
         </p:nvPicPr>
         <p:blipFill>
-          <a:blip r:embed="rId2"/>
+          <a:blip r:embed="rId2">
+            <a:extLst>
+              <a:ext uri="{28A0092B-C50C-407E-A947-70E740481C1C}">
+                <a14:useLocalDpi xmlns:a14="http://schemas.microsoft.com/office/drawing/2010/main" val="0"/>
+              </a:ext>
+            </a:extLst>
+          </a:blip>
+          <a:srcRect/>
           <a:stretch>
             <a:fillRect/>
           </a:stretch>
         </p:blipFill>
         <p:spPr>
           <a:xfrm>
-            <a:off x="2615508" y="2000293"/>
-            <a:ext cx="4973158" cy="3951275"/>
+            <a:off x="2628225" y="1446847"/>
+            <a:ext cx="6219683" cy="4993111"/>
           </a:xfrm>
           <a:prstGeom prst="rect">
             <a:avLst/>

--- a/ppt/7.반복 표본에서의 변이-표집분포.pptx
+++ b/ppt/7.반복 표본에서의 변이-표집분포.pptx
@@ -268,7 +268,7 @@
           <a:p>
             <a:fld id="{807EA1CC-7F46-4B10-AEDF-3EC2CBE266C6}" type="datetimeFigureOut">
               <a:rPr lang="ko-KR" altLang="en-US" smtClean="0"/>
-              <a:t>2017-04-28</a:t>
+              <a:t>2017-05-12</a:t>
             </a:fld>
             <a:endParaRPr lang="ko-KR" altLang="en-US"/>
           </a:p>
@@ -438,7 +438,7 @@
           <a:p>
             <a:fld id="{807EA1CC-7F46-4B10-AEDF-3EC2CBE266C6}" type="datetimeFigureOut">
               <a:rPr lang="ko-KR" altLang="en-US" smtClean="0"/>
-              <a:t>2017-04-28</a:t>
+              <a:t>2017-05-12</a:t>
             </a:fld>
             <a:endParaRPr lang="ko-KR" altLang="en-US"/>
           </a:p>
@@ -618,7 +618,7 @@
           <a:p>
             <a:fld id="{807EA1CC-7F46-4B10-AEDF-3EC2CBE266C6}" type="datetimeFigureOut">
               <a:rPr lang="ko-KR" altLang="en-US" smtClean="0"/>
-              <a:t>2017-04-28</a:t>
+              <a:t>2017-05-12</a:t>
             </a:fld>
             <a:endParaRPr lang="ko-KR" altLang="en-US"/>
           </a:p>
@@ -788,7 +788,7 @@
           <a:p>
             <a:fld id="{807EA1CC-7F46-4B10-AEDF-3EC2CBE266C6}" type="datetimeFigureOut">
               <a:rPr lang="ko-KR" altLang="en-US" smtClean="0"/>
-              <a:t>2017-04-28</a:t>
+              <a:t>2017-05-12</a:t>
             </a:fld>
             <a:endParaRPr lang="ko-KR" altLang="en-US"/>
           </a:p>
@@ -1034,7 +1034,7 @@
           <a:p>
             <a:fld id="{807EA1CC-7F46-4B10-AEDF-3EC2CBE266C6}" type="datetimeFigureOut">
               <a:rPr lang="ko-KR" altLang="en-US" smtClean="0"/>
-              <a:t>2017-04-28</a:t>
+              <a:t>2017-05-12</a:t>
             </a:fld>
             <a:endParaRPr lang="ko-KR" altLang="en-US"/>
           </a:p>
@@ -1266,7 +1266,7 @@
           <a:p>
             <a:fld id="{807EA1CC-7F46-4B10-AEDF-3EC2CBE266C6}" type="datetimeFigureOut">
               <a:rPr lang="ko-KR" altLang="en-US" smtClean="0"/>
-              <a:t>2017-04-28</a:t>
+              <a:t>2017-05-12</a:t>
             </a:fld>
             <a:endParaRPr lang="ko-KR" altLang="en-US"/>
           </a:p>
@@ -1633,7 +1633,7 @@
           <a:p>
             <a:fld id="{807EA1CC-7F46-4B10-AEDF-3EC2CBE266C6}" type="datetimeFigureOut">
               <a:rPr lang="ko-KR" altLang="en-US" smtClean="0"/>
-              <a:t>2017-04-28</a:t>
+              <a:t>2017-05-12</a:t>
             </a:fld>
             <a:endParaRPr lang="ko-KR" altLang="en-US"/>
           </a:p>
@@ -1751,7 +1751,7 @@
           <a:p>
             <a:fld id="{807EA1CC-7F46-4B10-AEDF-3EC2CBE266C6}" type="datetimeFigureOut">
               <a:rPr lang="ko-KR" altLang="en-US" smtClean="0"/>
-              <a:t>2017-04-28</a:t>
+              <a:t>2017-05-12</a:t>
             </a:fld>
             <a:endParaRPr lang="ko-KR" altLang="en-US"/>
           </a:p>
@@ -1846,7 +1846,7 @@
           <a:p>
             <a:fld id="{807EA1CC-7F46-4B10-AEDF-3EC2CBE266C6}" type="datetimeFigureOut">
               <a:rPr lang="ko-KR" altLang="en-US" smtClean="0"/>
-              <a:t>2017-04-28</a:t>
+              <a:t>2017-05-12</a:t>
             </a:fld>
             <a:endParaRPr lang="ko-KR" altLang="en-US"/>
           </a:p>
@@ -2123,7 +2123,7 @@
           <a:p>
             <a:fld id="{807EA1CC-7F46-4B10-AEDF-3EC2CBE266C6}" type="datetimeFigureOut">
               <a:rPr lang="ko-KR" altLang="en-US" smtClean="0"/>
-              <a:t>2017-04-28</a:t>
+              <a:t>2017-05-12</a:t>
             </a:fld>
             <a:endParaRPr lang="ko-KR" altLang="en-US"/>
           </a:p>
@@ -2376,7 +2376,7 @@
           <a:p>
             <a:fld id="{807EA1CC-7F46-4B10-AEDF-3EC2CBE266C6}" type="datetimeFigureOut">
               <a:rPr lang="ko-KR" altLang="en-US" smtClean="0"/>
-              <a:t>2017-04-28</a:t>
+              <a:t>2017-05-12</a:t>
             </a:fld>
             <a:endParaRPr lang="ko-KR" altLang="en-US"/>
           </a:p>
@@ -2589,7 +2589,7 @@
           <a:p>
             <a:fld id="{807EA1CC-7F46-4B10-AEDF-3EC2CBE266C6}" type="datetimeFigureOut">
               <a:rPr lang="ko-KR" altLang="en-US" smtClean="0"/>
-              <a:t>2017-04-28</a:t>
+              <a:t>2017-05-12</a:t>
             </a:fld>
             <a:endParaRPr lang="ko-KR" altLang="en-US"/>
           </a:p>
@@ -3565,7 +3565,7 @@
                 <a:pPr lvl="1"/>
                 <a:r>
                   <a:rPr lang="ko-KR" altLang="en-US" sz="2000" dirty="0" err="1" smtClean="0"/>
-                  <a:t>모표준편차</a:t>
+                  <a:t>모분산</a:t>
                 </a:r>
                 <a:r>
                   <a:rPr lang="ko-KR" altLang="en-US" sz="2000" dirty="0" smtClean="0"/>
@@ -11380,7 +11380,12 @@
                 <p:ph type="title"/>
               </p:nvPr>
             </p:nvSpPr>
-            <p:spPr/>
+            <p:spPr>
+              <a:xfrm>
+                <a:off x="838200" y="365126"/>
+                <a:ext cx="10515600" cy="967286"/>
+              </a:xfrm>
+            </p:spPr>
             <p:txBody>
               <a:bodyPr/>
               <a:lstStyle/>
@@ -11440,10 +11445,14 @@
               </p:nvPr>
             </p:nvSpPr>
             <p:spPr>
+              <a:xfrm>
+                <a:off x="838200" y="365126"/>
+                <a:ext cx="10515600" cy="967286"/>
+              </a:xfrm>
               <a:blipFill rotWithShape="0">
                 <a:blip r:embed="rId2"/>
                 <a:stretch>
-                  <a:fillRect l="-2377"/>
+                  <a:fillRect l="-2377" t="-5660" b="-15723"/>
                 </a:stretch>
               </a:blipFill>
             </p:spPr>
@@ -11476,8 +11485,8 @@
             </p:nvSpPr>
             <p:spPr>
               <a:xfrm>
-                <a:off x="838200" y="1825625"/>
-                <a:ext cx="10515600" cy="4618718"/>
+                <a:off x="838200" y="1332412"/>
+                <a:ext cx="10515600" cy="5111931"/>
               </a:xfrm>
             </p:spPr>
             <p:txBody>
@@ -11707,11 +11716,25 @@
                         <a:latin typeface="Cambria Math" panose="02040503050406030204" pitchFamily="18" charset="0"/>
                         <a:ea typeface="Cambria Math" panose="02040503050406030204" pitchFamily="18" charset="0"/>
                       </a:rPr>
-                      <m:t>=6.9</m:t>
+                      <m:t>=</m:t>
+                    </m:r>
+                    <m:r>
+                      <a:rPr lang="en-US" altLang="ko-KR" sz="2000" b="0" i="1" smtClean="0">
+                        <a:solidFill>
+                          <a:srgbClr val="FF0000"/>
+                        </a:solidFill>
+                        <a:latin typeface="Cambria Math" panose="02040503050406030204" pitchFamily="18" charset="0"/>
+                        <a:ea typeface="Cambria Math" panose="02040503050406030204" pitchFamily="18" charset="0"/>
+                      </a:rPr>
+                      <m:t>6.9</m:t>
                     </m:r>
                   </m:oMath>
                 </a14:m>
-                <a:endParaRPr lang="en-US" altLang="ko-KR" sz="2000" dirty="0" smtClean="0"/>
+                <a:endParaRPr lang="en-US" altLang="ko-KR" sz="2000" dirty="0" smtClean="0">
+                  <a:solidFill>
+                    <a:srgbClr val="FF0000"/>
+                  </a:solidFill>
+                </a:endParaRPr>
               </a:p>
               <a:p>
                 <a14:m>
@@ -12112,6 +12135,9 @@
                       <m:fPr>
                         <m:ctrlPr>
                           <a:rPr lang="en-US" altLang="ko-KR" sz="2000" b="0" i="1" smtClean="0">
+                            <a:solidFill>
+                              <a:srgbClr val="FF0000"/>
+                            </a:solidFill>
                             <a:latin typeface="Cambria Math" panose="02040503050406030204" pitchFamily="18" charset="0"/>
                           </a:rPr>
                         </m:ctrlPr>
@@ -12119,6 +12145,9 @@
                       <m:num>
                         <m:r>
                           <a:rPr lang="en-US" altLang="ko-KR" sz="2000" b="0" i="1" smtClean="0">
+                            <a:solidFill>
+                              <a:srgbClr val="FF0000"/>
+                            </a:solidFill>
                             <a:latin typeface="Cambria Math" panose="02040503050406030204" pitchFamily="18" charset="0"/>
                           </a:rPr>
                           <m:t>27.09</m:t>
@@ -12127,6 +12156,9 @@
                       <m:den>
                         <m:r>
                           <a:rPr lang="en-US" altLang="ko-KR" sz="2000" b="0" i="1" smtClean="0">
+                            <a:solidFill>
+                              <a:srgbClr val="FF0000"/>
+                            </a:solidFill>
                             <a:latin typeface="Cambria Math" panose="02040503050406030204" pitchFamily="18" charset="0"/>
                           </a:rPr>
                           <m:t>3</m:t>
@@ -12203,13 +12235,13 @@
             </p:nvSpPr>
             <p:spPr>
               <a:xfrm>
-                <a:off x="838200" y="1825625"/>
-                <a:ext cx="10515600" cy="4618718"/>
+                <a:off x="838200" y="1332412"/>
+                <a:ext cx="10515600" cy="5111931"/>
               </a:xfrm>
               <a:blipFill rotWithShape="0">
                 <a:blip r:embed="rId3"/>
                 <a:stretch>
-                  <a:fillRect l="-522" b="-1847"/>
+                  <a:fillRect l="-522"/>
                 </a:stretch>
               </a:blipFill>
             </p:spPr>
@@ -12239,13 +12271,13 @@
               <p:nvPr>
                 <p:extLst>
                   <p:ext uri="{D42A27DB-BD31-4B8C-83A1-F6EECF244321}">
-                    <p14:modId xmlns:p14="http://schemas.microsoft.com/office/powerpoint/2010/main" val="2266316775"/>
+                    <p14:modId xmlns:p14="http://schemas.microsoft.com/office/powerpoint/2010/main" val="1835933155"/>
                   </p:ext>
                 </p:extLst>
               </p:nvPr>
             </p:nvGraphicFramePr>
             <p:xfrm>
-              <a:off x="1979749" y="1931353"/>
+              <a:off x="1901372" y="1461090"/>
               <a:ext cx="7573554" cy="3352800"/>
             </p:xfrm>
             <a:graphic>
@@ -12700,13 +12732,13 @@
               <p:nvPr>
                 <p:extLst>
                   <p:ext uri="{D42A27DB-BD31-4B8C-83A1-F6EECF244321}">
-                    <p14:modId xmlns:p14="http://schemas.microsoft.com/office/powerpoint/2010/main" val="2266316775"/>
+                    <p14:modId xmlns:p14="http://schemas.microsoft.com/office/powerpoint/2010/main" val="1835933155"/>
                   </p:ext>
                 </p:extLst>
               </p:nvPr>
             </p:nvGraphicFramePr>
             <p:xfrm>
-              <a:off x="1979749" y="1931353"/>
+              <a:off x="1901372" y="1461090"/>
               <a:ext cx="7573554" cy="3352800"/>
             </p:xfrm>
             <a:graphic>
@@ -12943,11 +12975,7 @@
                           </a:r>
                           <a:r>
                             <a:rPr lang="en-US" altLang="ko-KR" sz="1400" baseline="0" dirty="0" smtClean="0"/>
-                            <a:t> = 0.030 + </a:t>
-                          </a:r>
-                          <a:r>
-                            <a:rPr lang="en-US" altLang="ko-KR" sz="1400" baseline="0" dirty="0" smtClean="0"/>
-                            <a:t>0.030 + 0.030 + 0.030 + 0.030 + 0.030</a:t>
+                            <a:t> = 0.030 + 0.030 + 0.030 + 0.030 + 0.030 + 0.030</a:t>
                           </a:r>
                           <a:endParaRPr lang="ko-KR" altLang="en-US" sz="1400" dirty="0"/>
                         </a:p>
@@ -12979,11 +13007,7 @@
                           <a:pPr latinLnBrk="1"/>
                           <a:r>
                             <a:rPr lang="en-US" altLang="ko-KR" sz="1400" dirty="0" smtClean="0"/>
-                            <a:t>0.135 = 0.045 + </a:t>
-                          </a:r>
-                          <a:r>
-                            <a:rPr lang="en-US" altLang="ko-KR" sz="1400" dirty="0" smtClean="0"/>
-                            <a:t>0.045 + 0.045</a:t>
+                            <a:t>0.135 = 0.045 + 0.045 + 0.045</a:t>
                           </a:r>
                           <a:endParaRPr lang="ko-KR" altLang="en-US" sz="1400" dirty="0"/>
                         </a:p>
@@ -18658,8 +18682,8 @@
           </a:p>
         </p:txBody>
       </p:sp>
-      <mc:AlternateContent xmlns:mc="http://schemas.openxmlformats.org/markup-compatibility/2006" xmlns:a14="http://schemas.microsoft.com/office/drawing/2010/main">
-        <mc:Choice Requires="a14">
+      <mc:AlternateContent xmlns:mc="http://schemas.openxmlformats.org/markup-compatibility/2006">
+        <mc:Choice xmlns:a14="http://schemas.microsoft.com/office/drawing/2010/main" Requires="a14">
           <p:sp>
             <p:nvSpPr>
               <p:cNvPr id="3" name="내용 개체 틀 2"/>
@@ -18764,7 +18788,23 @@
                 </a14:m>
                 <a:r>
                   <a:rPr lang="ko-KR" altLang="en-US" dirty="0" smtClean="0"/>
-                  <a:t> 정규모집단에서 확률분포를 추출하면</a:t>
+                  <a:t> 정규모집단에서 </a:t>
+                </a:r>
+                <a:r>
+                  <a:rPr lang="ko-KR" altLang="en-US" dirty="0" smtClean="0"/>
+                  <a:t>확률</a:t>
+                </a:r>
+                <a:r>
+                  <a:rPr lang="ko-KR" altLang="en-US" dirty="0" smtClean="0"/>
+                  <a:t>표본을</a:t>
+                </a:r>
+                <a:r>
+                  <a:rPr lang="ko-KR" altLang="en-US" dirty="0" smtClean="0"/>
+                  <a:t> </a:t>
+                </a:r>
+                <a:r>
+                  <a:rPr lang="ko-KR" altLang="en-US" dirty="0" smtClean="0"/>
+                  <a:t>추출하면</a:t>
                 </a:r>
                 <a:r>
                   <a:rPr lang="en-US" altLang="ko-KR" dirty="0" smtClean="0"/>
@@ -18875,7 +18915,7 @@
             </p:txBody>
           </p:sp>
         </mc:Choice>
-        <mc:Fallback xmlns="">
+        <mc:Fallback>
           <p:sp>
             <p:nvSpPr>
               <p:cNvPr id="3" name="내용 개체 틀 2"/>
@@ -22519,8 +22559,8 @@
           </a:p>
         </p:txBody>
       </p:sp>
-      <mc:AlternateContent xmlns:mc="http://schemas.openxmlformats.org/markup-compatibility/2006" xmlns:a14="http://schemas.microsoft.com/office/drawing/2010/main">
-        <mc:Choice Requires="a14">
+      <mc:AlternateContent xmlns:mc="http://schemas.openxmlformats.org/markup-compatibility/2006">
+        <mc:Choice xmlns:a14="http://schemas.microsoft.com/office/drawing/2010/main" Requires="a14">
           <p:sp>
             <p:nvSpPr>
               <p:cNvPr id="6" name="내용 개체 틀 5"/>
@@ -22558,7 +22598,11 @@
                 </a:pPr>
                 <a:r>
                   <a:rPr lang="ko-KR" altLang="en-US" sz="1800" dirty="0" smtClean="0"/>
-                  <a:t>근본적인 분포가 평균이 </a:t>
+                  <a:t>모집단 </a:t>
+                </a:r>
+                <a:r>
+                  <a:rPr lang="ko-KR" altLang="en-US" sz="1800" dirty="0" smtClean="0"/>
+                  <a:t>분포가 평균이 </a:t>
                 </a:r>
                 <a14:m>
                   <m:oMath xmlns:m="http://schemas.openxmlformats.org/officeDocument/2006/math">
@@ -22814,8 +22858,16 @@
                   <a:buAutoNum type="arabicPeriod"/>
                 </a:pPr>
                 <a:r>
+                  <a:rPr lang="ko-KR" altLang="en-US" sz="1800" smtClean="0"/>
+                  <a:t>모집단</a:t>
+                </a:r>
+                <a:r>
+                  <a:rPr lang="ko-KR" altLang="en-US" sz="1800" smtClean="0"/>
+                  <a:t> </a:t>
+                </a:r>
+                <a:r>
                   <a:rPr lang="ko-KR" altLang="en-US" sz="1800" dirty="0" smtClean="0"/>
-                  <a:t>기초적인 분포가 평균이 </a:t>
+                  <a:t>분포가 평균이 </a:t>
                 </a:r>
                 <a14:m>
                   <m:oMath xmlns:m="http://schemas.openxmlformats.org/officeDocument/2006/math">
@@ -23165,7 +23217,7 @@
             </p:txBody>
           </p:sp>
         </mc:Choice>
-        <mc:Fallback xmlns="">
+        <mc:Fallback>
           <p:sp>
             <p:nvSpPr>
               <p:cNvPr id="6" name="내용 개체 틀 5"/>
@@ -23353,11 +23405,7 @@
             </a:r>
             <a:r>
               <a:rPr lang="en-US" altLang="ko-KR" smtClean="0"/>
-              <a:t>(</a:t>
-            </a:r>
-            <a:r>
-              <a:rPr lang="en-US" altLang="ko-KR" smtClean="0"/>
-              <a:t>statistic)</a:t>
+              <a:t>(statistic)</a:t>
             </a:r>
             <a:r>
               <a:rPr lang="ko-KR" altLang="en-US" dirty="0" smtClean="0"/>
